--- a/resources/data_workflow.pptx
+++ b/resources/data_workflow.pptx
@@ -197,7 +197,7 @@
           <a:p>
             <a:fld id="{FF5E8E73-7960-44FC-896D-C37643607110}" type="datetimeFigureOut">
               <a:rPr lang="en-US" smtClean="0"/>
-              <a:t>1/2/2025</a:t>
+              <a:t>1/7/2025</a:t>
             </a:fld>
             <a:endParaRPr lang="en-US"/>
           </a:p>
@@ -679,7 +679,7 @@
           <a:p>
             <a:fld id="{D63CE56B-8D0D-49FA-B8D3-872DCA6D77A0}" type="datetimeFigureOut">
               <a:rPr lang="en-US" smtClean="0"/>
-              <a:t>1/2/2025</a:t>
+              <a:t>1/7/2025</a:t>
             </a:fld>
             <a:endParaRPr lang="en-US"/>
           </a:p>
@@ -849,7 +849,7 @@
           <a:p>
             <a:fld id="{D63CE56B-8D0D-49FA-B8D3-872DCA6D77A0}" type="datetimeFigureOut">
               <a:rPr lang="en-US" smtClean="0"/>
-              <a:t>1/2/2025</a:t>
+              <a:t>1/7/2025</a:t>
             </a:fld>
             <a:endParaRPr lang="en-US"/>
           </a:p>
@@ -1029,7 +1029,7 @@
           <a:p>
             <a:fld id="{D63CE56B-8D0D-49FA-B8D3-872DCA6D77A0}" type="datetimeFigureOut">
               <a:rPr lang="en-US" smtClean="0"/>
-              <a:t>1/2/2025</a:t>
+              <a:t>1/7/2025</a:t>
             </a:fld>
             <a:endParaRPr lang="en-US"/>
           </a:p>
@@ -1199,7 +1199,7 @@
           <a:p>
             <a:fld id="{D63CE56B-8D0D-49FA-B8D3-872DCA6D77A0}" type="datetimeFigureOut">
               <a:rPr lang="en-US" smtClean="0"/>
-              <a:t>1/2/2025</a:t>
+              <a:t>1/7/2025</a:t>
             </a:fld>
             <a:endParaRPr lang="en-US"/>
           </a:p>
@@ -1445,7 +1445,7 @@
           <a:p>
             <a:fld id="{D63CE56B-8D0D-49FA-B8D3-872DCA6D77A0}" type="datetimeFigureOut">
               <a:rPr lang="en-US" smtClean="0"/>
-              <a:t>1/2/2025</a:t>
+              <a:t>1/7/2025</a:t>
             </a:fld>
             <a:endParaRPr lang="en-US"/>
           </a:p>
@@ -1677,7 +1677,7 @@
           <a:p>
             <a:fld id="{D63CE56B-8D0D-49FA-B8D3-872DCA6D77A0}" type="datetimeFigureOut">
               <a:rPr lang="en-US" smtClean="0"/>
-              <a:t>1/2/2025</a:t>
+              <a:t>1/7/2025</a:t>
             </a:fld>
             <a:endParaRPr lang="en-US"/>
           </a:p>
@@ -2044,7 +2044,7 @@
           <a:p>
             <a:fld id="{D63CE56B-8D0D-49FA-B8D3-872DCA6D77A0}" type="datetimeFigureOut">
               <a:rPr lang="en-US" smtClean="0"/>
-              <a:t>1/2/2025</a:t>
+              <a:t>1/7/2025</a:t>
             </a:fld>
             <a:endParaRPr lang="en-US"/>
           </a:p>
@@ -2162,7 +2162,7 @@
           <a:p>
             <a:fld id="{D63CE56B-8D0D-49FA-B8D3-872DCA6D77A0}" type="datetimeFigureOut">
               <a:rPr lang="en-US" smtClean="0"/>
-              <a:t>1/2/2025</a:t>
+              <a:t>1/7/2025</a:t>
             </a:fld>
             <a:endParaRPr lang="en-US"/>
           </a:p>
@@ -2257,7 +2257,7 @@
           <a:p>
             <a:fld id="{D63CE56B-8D0D-49FA-B8D3-872DCA6D77A0}" type="datetimeFigureOut">
               <a:rPr lang="en-US" smtClean="0"/>
-              <a:t>1/2/2025</a:t>
+              <a:t>1/7/2025</a:t>
             </a:fld>
             <a:endParaRPr lang="en-US"/>
           </a:p>
@@ -2534,7 +2534,7 @@
           <a:p>
             <a:fld id="{D63CE56B-8D0D-49FA-B8D3-872DCA6D77A0}" type="datetimeFigureOut">
               <a:rPr lang="en-US" smtClean="0"/>
-              <a:t>1/2/2025</a:t>
+              <a:t>1/7/2025</a:t>
             </a:fld>
             <a:endParaRPr lang="en-US"/>
           </a:p>
@@ -2791,7 +2791,7 @@
           <a:p>
             <a:fld id="{D63CE56B-8D0D-49FA-B8D3-872DCA6D77A0}" type="datetimeFigureOut">
               <a:rPr lang="en-US" smtClean="0"/>
-              <a:t>1/2/2025</a:t>
+              <a:t>1/7/2025</a:t>
             </a:fld>
             <a:endParaRPr lang="en-US"/>
           </a:p>
@@ -3004,7 +3004,7 @@
           <a:p>
             <a:fld id="{D63CE56B-8D0D-49FA-B8D3-872DCA6D77A0}" type="datetimeFigureOut">
               <a:rPr lang="en-US" smtClean="0"/>
-              <a:t>1/2/2025</a:t>
+              <a:t>1/7/2025</a:t>
             </a:fld>
             <a:endParaRPr lang="en-US"/>
           </a:p>
@@ -3537,7 +3537,7 @@
         <p:spPr>
           <a:xfrm>
             <a:off x="119527" y="3274394"/>
-            <a:ext cx="7499866" cy="3755922"/>
+            <a:ext cx="7509051" cy="3755922"/>
           </a:xfrm>
           <a:prstGeom prst="rect">
             <a:avLst/>
@@ -3598,6 +3598,12 @@
             <a:chOff x="2530154" y="3876453"/>
             <a:chExt cx="964927" cy="640249"/>
           </a:xfrm>
+          <a:solidFill>
+            <a:schemeClr val="accent3">
+              <a:lumMod val="40000"/>
+              <a:lumOff val="60000"/>
+            </a:schemeClr>
+          </a:solidFill>
         </p:grpSpPr>
         <p:sp>
           <p:nvSpPr>
@@ -3621,9 +3627,7 @@
             <a:prstGeom prst="flowChartMagneticDisk">
               <a:avLst/>
             </a:prstGeom>
-            <a:solidFill>
-              <a:schemeClr val="bg1"/>
-            </a:solidFill>
+            <a:grpFill/>
           </p:spPr>
           <p:style>
             <a:lnRef idx="2">
@@ -3672,9 +3676,7 @@
             <a:prstGeom prst="flowChartMagneticDisk">
               <a:avLst/>
             </a:prstGeom>
-            <a:solidFill>
-              <a:schemeClr val="bg1"/>
-            </a:solidFill>
+            <a:grpFill/>
           </p:spPr>
           <p:style>
             <a:lnRef idx="2">
@@ -4703,7 +4705,7 @@
         <p:spPr>
           <a:xfrm>
             <a:off x="111867" y="3277760"/>
-            <a:ext cx="1781453" cy="668068"/>
+            <a:ext cx="1781453" cy="859979"/>
           </a:xfrm>
           <a:prstGeom prst="rect">
             <a:avLst/>
@@ -4724,7 +4726,41 @@
           <a:p>
             <a:r>
               <a:rPr lang="en-US" sz="1247" i="1" dirty="0"/>
-              <a:t>(hosted by Microsoft  SQL Server)</a:t>
+              <a:t>(hosted by </a:t>
+            </a:r>
+          </a:p>
+          <a:p>
+            <a:r>
+              <a:rPr lang="en-US" sz="1247" b="1" i="1" dirty="0">
+                <a:solidFill>
+                  <a:schemeClr val="accent3">
+                    <a:lumMod val="60000"/>
+                    <a:lumOff val="40000"/>
+                  </a:schemeClr>
+                </a:solidFill>
+              </a:rPr>
+              <a:t>Microsoft  SQL Server</a:t>
+            </a:r>
+          </a:p>
+          <a:p>
+            <a:r>
+              <a:rPr lang="en-US" sz="1247" i="1" dirty="0"/>
+              <a:t>or </a:t>
+            </a:r>
+            <a:r>
+              <a:rPr lang="en-US" sz="1247" b="1" i="1" dirty="0">
+                <a:solidFill>
+                  <a:schemeClr val="accent5">
+                    <a:lumMod val="60000"/>
+                    <a:lumOff val="40000"/>
+                  </a:schemeClr>
+                </a:solidFill>
+              </a:rPr>
+              <a:t>Oracle</a:t>
+            </a:r>
+            <a:r>
+              <a:rPr lang="en-US" sz="1247" i="1" dirty="0"/>
+              <a:t>)</a:t>
             </a:r>
           </a:p>
         </p:txBody>
@@ -5047,6 +5083,12 @@
             <a:chOff x="2530154" y="3876453"/>
             <a:chExt cx="964927" cy="640249"/>
           </a:xfrm>
+          <a:solidFill>
+            <a:schemeClr val="accent3">
+              <a:lumMod val="40000"/>
+              <a:lumOff val="60000"/>
+            </a:schemeClr>
+          </a:solidFill>
         </p:grpSpPr>
         <p:sp>
           <p:nvSpPr>
@@ -5070,9 +5112,7 @@
             <a:prstGeom prst="flowChartMagneticDisk">
               <a:avLst/>
             </a:prstGeom>
-            <a:solidFill>
-              <a:schemeClr val="bg1"/>
-            </a:solidFill>
+            <a:grpFill/>
           </p:spPr>
           <p:style>
             <a:lnRef idx="2">
@@ -5121,9 +5161,7 @@
             <a:prstGeom prst="flowChartMagneticDisk">
               <a:avLst/>
             </a:prstGeom>
-            <a:solidFill>
-              <a:schemeClr val="bg1"/>
-            </a:solidFill>
+            <a:grpFill/>
           </p:spPr>
           <p:style>
             <a:lnRef idx="2">
@@ -5172,6 +5210,12 @@
             <a:chOff x="2530154" y="3876453"/>
             <a:chExt cx="964927" cy="640249"/>
           </a:xfrm>
+          <a:solidFill>
+            <a:schemeClr val="accent3">
+              <a:lumMod val="40000"/>
+              <a:lumOff val="60000"/>
+            </a:schemeClr>
+          </a:solidFill>
         </p:grpSpPr>
         <p:sp>
           <p:nvSpPr>
@@ -5195,9 +5239,7 @@
             <a:prstGeom prst="flowChartMagneticDisk">
               <a:avLst/>
             </a:prstGeom>
-            <a:solidFill>
-              <a:schemeClr val="bg1"/>
-            </a:solidFill>
+            <a:grpFill/>
           </p:spPr>
           <p:style>
             <a:lnRef idx="2">
@@ -5246,9 +5288,7 @@
             <a:prstGeom prst="flowChartMagneticDisk">
               <a:avLst/>
             </a:prstGeom>
-            <a:solidFill>
-              <a:schemeClr val="bg1"/>
-            </a:solidFill>
+            <a:grpFill/>
           </p:spPr>
           <p:style>
             <a:lnRef idx="2">
@@ -5297,6 +5337,12 @@
             <a:chOff x="2530154" y="3876453"/>
             <a:chExt cx="964927" cy="640249"/>
           </a:xfrm>
+          <a:solidFill>
+            <a:schemeClr val="accent5">
+              <a:lumMod val="20000"/>
+              <a:lumOff val="80000"/>
+            </a:schemeClr>
+          </a:solidFill>
         </p:grpSpPr>
         <p:sp>
           <p:nvSpPr>
@@ -5320,9 +5366,7 @@
             <a:prstGeom prst="flowChartMagneticDisk">
               <a:avLst/>
             </a:prstGeom>
-            <a:solidFill>
-              <a:schemeClr val="bg1"/>
-            </a:solidFill>
+            <a:grpFill/>
           </p:spPr>
           <p:style>
             <a:lnRef idx="2">
@@ -5371,9 +5415,7 @@
             <a:prstGeom prst="flowChartMagneticDisk">
               <a:avLst/>
             </a:prstGeom>
-            <a:solidFill>
-              <a:schemeClr val="bg1"/>
-            </a:solidFill>
+            <a:grpFill/>
           </p:spPr>
           <p:style>
             <a:lnRef idx="2">
@@ -5422,6 +5464,12 @@
             <a:chOff x="2530154" y="3876453"/>
             <a:chExt cx="964927" cy="640249"/>
           </a:xfrm>
+          <a:solidFill>
+            <a:schemeClr val="accent5">
+              <a:lumMod val="20000"/>
+              <a:lumOff val="80000"/>
+            </a:schemeClr>
+          </a:solidFill>
         </p:grpSpPr>
         <p:sp>
           <p:nvSpPr>
@@ -5445,9 +5493,7 @@
             <a:prstGeom prst="flowChartMagneticDisk">
               <a:avLst/>
             </a:prstGeom>
-            <a:solidFill>
-              <a:schemeClr val="bg1"/>
-            </a:solidFill>
+            <a:grpFill/>
           </p:spPr>
           <p:style>
             <a:lnRef idx="2">
@@ -5496,9 +5542,7 @@
             <a:prstGeom prst="flowChartMagneticDisk">
               <a:avLst/>
             </a:prstGeom>
-            <a:solidFill>
-              <a:schemeClr val="bg1"/>
-            </a:solidFill>
+            <a:grpFill/>
           </p:spPr>
           <p:style>
             <a:lnRef idx="2">
@@ -6213,7 +6257,7 @@
                   <a:schemeClr val="bg1"/>
                 </a:solidFill>
               </a:rPr>
-              <a:t>R</a:t>
+              <a:t>R, Python</a:t>
             </a:r>
           </a:p>
         </p:txBody>
@@ -6659,7 +6703,7 @@
                   <a:schemeClr val="accent3"/>
                 </a:solidFill>
               </a:rPr>
-              <a:t>Uses SQL Server database connection and custom function to access all source data </a:t>
+              <a:t>Uses ODBC database connections to assess Oracle and Microsoft SQL databases</a:t>
             </a:r>
           </a:p>
         </p:txBody>
@@ -6966,91 +7010,6 @@
               </a:rPr>
               <a:t>Run SQL script in Test &amp; Sandbox and ensure results are as expected</a:t>
             </a:r>
-          </a:p>
-        </p:txBody>
-      </p:sp>
-      <p:sp>
-        <p:nvSpPr>
-          <p:cNvPr id="118" name="TextBox 117">
-            <a:extLst>
-              <a:ext uri="{FF2B5EF4-FFF2-40B4-BE49-F238E27FC236}">
-                <a16:creationId xmlns:a16="http://schemas.microsoft.com/office/drawing/2014/main" id="{5CDC28BC-1BD8-002A-2194-1D7CC4CEE9A3}"/>
-              </a:ext>
-            </a:extLst>
-          </p:cNvPr>
-          <p:cNvSpPr txBox="1"/>
-          <p:nvPr/>
-        </p:nvSpPr>
-        <p:spPr>
-          <a:xfrm>
-            <a:off x="776209" y="8283202"/>
-            <a:ext cx="708848" cy="246221"/>
-          </a:xfrm>
-          <a:prstGeom prst="rect">
-            <a:avLst/>
-          </a:prstGeom>
-          <a:noFill/>
-        </p:spPr>
-        <p:txBody>
-          <a:bodyPr wrap="none" rtlCol="0">
-            <a:spAutoFit/>
-          </a:bodyPr>
-          <a:lstStyle/>
-          <a:p>
-            <a:r>
-              <a:rPr lang="en-US" sz="1000" dirty="0" err="1"/>
-              <a:t>odbc</a:t>
-            </a:r>
-            <a:r>
-              <a:rPr lang="en-US" sz="1000" dirty="0"/>
-              <a:t>/DBI</a:t>
-            </a:r>
-          </a:p>
-        </p:txBody>
-      </p:sp>
-      <p:sp>
-        <p:nvSpPr>
-          <p:cNvPr id="119" name="TextBox 118">
-            <a:extLst>
-              <a:ext uri="{FF2B5EF4-FFF2-40B4-BE49-F238E27FC236}">
-                <a16:creationId xmlns:a16="http://schemas.microsoft.com/office/drawing/2014/main" id="{7EC05590-FB3A-E13A-03BF-249D5EDF5C63}"/>
-              </a:ext>
-            </a:extLst>
-          </p:cNvPr>
-          <p:cNvSpPr txBox="1"/>
-          <p:nvPr/>
-        </p:nvSpPr>
-        <p:spPr>
-          <a:xfrm rot="20716958">
-            <a:off x="2652088" y="8188209"/>
-            <a:ext cx="1116011" cy="400110"/>
-          </a:xfrm>
-          <a:prstGeom prst="rect">
-            <a:avLst/>
-          </a:prstGeom>
-          <a:noFill/>
-        </p:spPr>
-        <p:txBody>
-          <a:bodyPr wrap="none" rtlCol="0">
-            <a:spAutoFit/>
-          </a:bodyPr>
-          <a:lstStyle/>
-          <a:p>
-            <a:r>
-              <a:rPr lang="en-US" sz="1000" dirty="0"/>
-              <a:t>custom function</a:t>
-            </a:r>
-          </a:p>
-          <a:p>
-            <a:r>
-              <a:rPr lang="en-US" sz="1000" dirty="0"/>
-              <a:t>In </a:t>
-            </a:r>
-            <a:r>
-              <a:rPr lang="en-US" sz="1000" dirty="0" err="1"/>
-              <a:t>assessNYC</a:t>
-            </a:r>
-            <a:endParaRPr lang="en-US" sz="1000" dirty="0"/>
           </a:p>
         </p:txBody>
       </p:sp>
